--- a/Presentation - CreditCardTransactions.pptx
+++ b/Presentation - CreditCardTransactions.pptx
@@ -7652,7 +7652,7 @@
         </p:nvSpPr>
         <p:spPr>
           <a:xfrm>
-            <a:off x="0" y="-1"/>
+            <a:off x="0" y="144902"/>
             <a:ext cx="8256542" cy="7315193"/>
           </a:xfrm>
           <a:custGeom>
@@ -8395,6 +8395,162 @@
           </p:style>
         </p:cxnSp>
       </p:grpSp>
+      <p:sp>
+        <p:nvSpPr>
+          <p:cNvPr id="5" name="Rectangle 4">
+            <a:extLst>
+              <a:ext uri="{FF2B5EF4-FFF2-40B4-BE49-F238E27FC236}">
+                <a16:creationId xmlns:a16="http://schemas.microsoft.com/office/drawing/2014/main" id="{2AD80B71-97C3-ED4C-AAB1-7EC5226E99AB}"/>
+              </a:ext>
+            </a:extLst>
+          </p:cNvPr>
+          <p:cNvSpPr/>
+          <p:nvPr/>
+        </p:nvSpPr>
+        <p:spPr>
+          <a:xfrm>
+            <a:off x="503695" y="3646416"/>
+            <a:ext cx="1141726" cy="289809"/>
+          </a:xfrm>
+          <a:prstGeom prst="rect">
+            <a:avLst/>
+          </a:prstGeom>
+          <a:solidFill>
+            <a:schemeClr val="tx1"/>
+          </a:solidFill>
+        </p:spPr>
+        <p:style>
+          <a:lnRef idx="2">
+            <a:schemeClr val="accent1">
+              <a:shade val="50000"/>
+            </a:schemeClr>
+          </a:lnRef>
+          <a:fillRef idx="1">
+            <a:schemeClr val="accent1"/>
+          </a:fillRef>
+          <a:effectRef idx="0">
+            <a:schemeClr val="accent1"/>
+          </a:effectRef>
+          <a:fontRef idx="minor">
+            <a:schemeClr val="lt1"/>
+          </a:fontRef>
+        </p:style>
+        <p:txBody>
+          <a:bodyPr rtlCol="0" anchor="ctr"/>
+          <a:lstStyle/>
+          <a:p>
+            <a:pPr algn="ctr"/>
+            <a:r>
+              <a:rPr lang="en-US" sz="1200" dirty="0"/>
+              <a:t>Decision Tree 1</a:t>
+            </a:r>
+          </a:p>
+        </p:txBody>
+      </p:sp>
+      <p:sp>
+        <p:nvSpPr>
+          <p:cNvPr id="6" name="Rectangle 5">
+            <a:extLst>
+              <a:ext uri="{FF2B5EF4-FFF2-40B4-BE49-F238E27FC236}">
+                <a16:creationId xmlns:a16="http://schemas.microsoft.com/office/drawing/2014/main" id="{1A78E7F6-5154-111D-C123-E055ACF42F8E}"/>
+              </a:ext>
+            </a:extLst>
+          </p:cNvPr>
+          <p:cNvSpPr/>
+          <p:nvPr/>
+        </p:nvSpPr>
+        <p:spPr>
+          <a:xfrm>
+            <a:off x="2354922" y="3657595"/>
+            <a:ext cx="1141726" cy="289809"/>
+          </a:xfrm>
+          <a:prstGeom prst="rect">
+            <a:avLst/>
+          </a:prstGeom>
+          <a:solidFill>
+            <a:schemeClr val="tx1"/>
+          </a:solidFill>
+        </p:spPr>
+        <p:style>
+          <a:lnRef idx="2">
+            <a:schemeClr val="accent1">
+              <a:shade val="50000"/>
+            </a:schemeClr>
+          </a:lnRef>
+          <a:fillRef idx="1">
+            <a:schemeClr val="accent1"/>
+          </a:fillRef>
+          <a:effectRef idx="0">
+            <a:schemeClr val="accent1"/>
+          </a:effectRef>
+          <a:fontRef idx="minor">
+            <a:schemeClr val="lt1"/>
+          </a:fontRef>
+        </p:style>
+        <p:txBody>
+          <a:bodyPr rtlCol="0" anchor="ctr"/>
+          <a:lstStyle/>
+          <a:p>
+            <a:pPr algn="ctr"/>
+            <a:r>
+              <a:rPr lang="en-US" sz="1200" dirty="0"/>
+              <a:t>Decision Tree 2</a:t>
+            </a:r>
+          </a:p>
+        </p:txBody>
+      </p:sp>
+      <p:sp>
+        <p:nvSpPr>
+          <p:cNvPr id="7" name="Rectangle 6">
+            <a:extLst>
+              <a:ext uri="{FF2B5EF4-FFF2-40B4-BE49-F238E27FC236}">
+                <a16:creationId xmlns:a16="http://schemas.microsoft.com/office/drawing/2014/main" id="{5DF26CD3-E582-1D3B-4581-DF3149E4E2AA}"/>
+              </a:ext>
+            </a:extLst>
+          </p:cNvPr>
+          <p:cNvSpPr/>
+          <p:nvPr/>
+        </p:nvSpPr>
+        <p:spPr>
+          <a:xfrm>
+            <a:off x="4148206" y="3646421"/>
+            <a:ext cx="1260701" cy="300983"/>
+          </a:xfrm>
+          <a:prstGeom prst="rect">
+            <a:avLst/>
+          </a:prstGeom>
+          <a:solidFill>
+            <a:schemeClr val="tx1"/>
+          </a:solidFill>
+        </p:spPr>
+        <p:style>
+          <a:lnRef idx="2">
+            <a:schemeClr val="accent1">
+              <a:shade val="50000"/>
+            </a:schemeClr>
+          </a:lnRef>
+          <a:fillRef idx="1">
+            <a:schemeClr val="accent1"/>
+          </a:fillRef>
+          <a:effectRef idx="0">
+            <a:schemeClr val="accent1"/>
+          </a:effectRef>
+          <a:fontRef idx="minor">
+            <a:schemeClr val="lt1"/>
+          </a:fontRef>
+        </p:style>
+        <p:txBody>
+          <a:bodyPr rtlCol="0" anchor="ctr"/>
+          <a:lstStyle/>
+          <a:p>
+            <a:pPr algn="ctr"/>
+            <a:r>
+              <a:rPr lang="en-US" sz="1200" dirty="0"/>
+              <a:t>Decision Tree N</a:t>
+            </a:r>
+          </a:p>
+        </p:txBody>
+      </p:sp>
     </p:spTree>
     <p:extLst>
       <p:ext uri="{BB962C8B-B14F-4D97-AF65-F5344CB8AC3E}">

--- a/Presentation - CreditCardTransactions.pptx
+++ b/Presentation - CreditCardTransactions.pptx
@@ -834,6 +834,139 @@
           <a:bodyPr/>
           <a:lstStyle/>
           <a:p>
+            <a:r>
+              <a:rPr lang="en-GB" sz="1800" dirty="0">
+                <a:solidFill>
+                  <a:srgbClr val="000000"/>
+                </a:solidFill>
+                <a:effectLst/>
+                <a:latin typeface="IBM Plex Sans" panose="020B0503050203000203" pitchFamily="34" charset="0"/>
+                <a:ea typeface="Calibri" panose="020F0502020204030204" pitchFamily="34" charset="0"/>
+                <a:cs typeface="Times New Roman" panose="02020603050405020304" pitchFamily="18" charset="0"/>
+              </a:rPr>
+              <a:t>Neural networks (Artificial neural networks (ANNs), are a subset of </a:t>
+            </a:r>
+            <a:r>
+              <a:rPr lang="en-GB" sz="1800" u="sng" dirty="0">
+                <a:solidFill>
+                  <a:srgbClr val="000000"/>
+                </a:solidFill>
+                <a:effectLst/>
+                <a:latin typeface="IBM Plex Sans" panose="020B0503050203000203" pitchFamily="34" charset="0"/>
+                <a:ea typeface="Calibri" panose="020F0502020204030204" pitchFamily="34" charset="0"/>
+                <a:cs typeface="Times New Roman" panose="02020603050405020304" pitchFamily="18" charset="0"/>
+                <a:hlinkClick r:id="rId3" tooltip="machine-learning"/>
+              </a:rPr>
+              <a:t>machine learning</a:t>
+            </a:r>
+            <a:r>
+              <a:rPr lang="en-GB" sz="1800" dirty="0">
+                <a:solidFill>
+                  <a:srgbClr val="000000"/>
+                </a:solidFill>
+                <a:effectLst/>
+                <a:latin typeface="IBM Plex Sans" panose="020B0503050203000203" pitchFamily="34" charset="0"/>
+                <a:ea typeface="Calibri" panose="020F0502020204030204" pitchFamily="34" charset="0"/>
+                <a:cs typeface="Times New Roman" panose="02020603050405020304" pitchFamily="18" charset="0"/>
+              </a:rPr>
+              <a:t> algorithms which mimic the working of a human brain with regards how the information is processed and understood.  </a:t>
+            </a:r>
+            <a:endParaRPr lang="en-GB" sz="1800" dirty="0">
+              <a:solidFill>
+                <a:srgbClr val="000000"/>
+              </a:solidFill>
+              <a:effectLst/>
+              <a:latin typeface="Calibri" panose="020F0502020204030204" pitchFamily="34" charset="0"/>
+              <a:ea typeface="Calibri" panose="020F0502020204030204" pitchFamily="34" charset="0"/>
+              <a:cs typeface="Times New Roman" panose="02020603050405020304" pitchFamily="18" charset="0"/>
+            </a:endParaRPr>
+          </a:p>
+          <a:p>
+            <a:r>
+              <a:rPr lang="en-GB" sz="1800" dirty="0">
+                <a:solidFill>
+                  <a:srgbClr val="000000"/>
+                </a:solidFill>
+                <a:effectLst/>
+                <a:latin typeface="IBM Plex Sans" panose="020B0503050203000203" pitchFamily="34" charset="0"/>
+                <a:ea typeface="Calibri" panose="020F0502020204030204" pitchFamily="34" charset="0"/>
+                <a:cs typeface="Times New Roman" panose="02020603050405020304" pitchFamily="18" charset="0"/>
+              </a:rPr>
+              <a:t>Neural networks rely on training data to learn and improve their accuracy. However, once these learning algorithms are fine-tuned for accuracy, they are powerful tools in machine learning allowing us to classify and cluster data at a very high velocity.</a:t>
+            </a:r>
+            <a:r>
+              <a:rPr lang="en-GB" sz="1800" dirty="0">
+                <a:solidFill>
+                  <a:srgbClr val="000000"/>
+                </a:solidFill>
+                <a:effectLst/>
+                <a:latin typeface="Calibri" panose="020F0502020204030204" pitchFamily="34" charset="0"/>
+                <a:ea typeface="Calibri" panose="020F0502020204030204" pitchFamily="34" charset="0"/>
+                <a:cs typeface="Times New Roman" panose="02020603050405020304" pitchFamily="18" charset="0"/>
+              </a:rPr>
+              <a:t> In this case to determine whether a  transaction was fraudulent or not.</a:t>
+            </a:r>
+          </a:p>
+          <a:p>
+            <a:endParaRPr lang="en-GB" sz="1800" dirty="0">
+              <a:solidFill>
+                <a:srgbClr val="000000"/>
+              </a:solidFill>
+              <a:effectLst/>
+              <a:latin typeface="Calibri" panose="020F0502020204030204" pitchFamily="34" charset="0"/>
+              <a:ea typeface="Calibri" panose="020F0502020204030204" pitchFamily="34" charset="0"/>
+              <a:cs typeface="Times New Roman" panose="02020603050405020304" pitchFamily="18" charset="0"/>
+            </a:endParaRPr>
+          </a:p>
+          <a:p>
+            <a:pPr marL="0" marR="0" lvl="0" indent="0" algn="l" defTabSz="914400" rtl="0" eaLnBrk="1" fontAlgn="auto" latinLnBrk="0" hangingPunct="1">
+              <a:lnSpc>
+                <a:spcPct val="100000"/>
+              </a:lnSpc>
+              <a:spcBef>
+                <a:spcPts val="0"/>
+              </a:spcBef>
+              <a:spcAft>
+                <a:spcPts val="0"/>
+              </a:spcAft>
+              <a:buClrTx/>
+              <a:buSzTx/>
+              <a:buFontTx/>
+              <a:buNone/>
+              <a:tabLst/>
+              <a:defRPr/>
+            </a:pPr>
+            <a:r>
+              <a:rPr lang="en-GB" sz="1800" dirty="0">
+                <a:solidFill>
+                  <a:srgbClr val="2F5597"/>
+                </a:solidFill>
+                <a:effectLst/>
+                <a:latin typeface="IBM Plex Sans" panose="020B0503050203000203" pitchFamily="34" charset="0"/>
+                <a:ea typeface="Calibri" panose="020F0502020204030204" pitchFamily="34" charset="0"/>
+                <a:cs typeface="Times New Roman" panose="02020603050405020304" pitchFamily="18" charset="0"/>
+              </a:rPr>
+              <a:t>Since the dataset we are dealing with is severely imbalanced, it is very important to note that determining loss or accuracy alone will not give an indication of how well the neural networks are working in predicting the minority class. Therefore it was paramount to investigate the inner working with regards a lot of metrics including Precision and Recall. These metrics were fed into the network while training the network.</a:t>
+            </a:r>
+            <a:endParaRPr lang="en-GB" sz="1800" dirty="0">
+              <a:effectLst/>
+              <a:latin typeface="Calibri" panose="020F0502020204030204" pitchFamily="34" charset="0"/>
+              <a:ea typeface="Calibri" panose="020F0502020204030204" pitchFamily="34" charset="0"/>
+              <a:cs typeface="Times New Roman" panose="02020603050405020304" pitchFamily="18" charset="0"/>
+            </a:endParaRPr>
+          </a:p>
+          <a:p>
+            <a:endParaRPr lang="en-GB" sz="1800" dirty="0">
+              <a:solidFill>
+                <a:srgbClr val="000000"/>
+              </a:solidFill>
+              <a:effectLst/>
+              <a:latin typeface="Calibri" panose="020F0502020204030204" pitchFamily="34" charset="0"/>
+              <a:ea typeface="Calibri" panose="020F0502020204030204" pitchFamily="34" charset="0"/>
+              <a:cs typeface="Times New Roman" panose="02020603050405020304" pitchFamily="18" charset="0"/>
+            </a:endParaRPr>
+          </a:p>
+          <a:p>
             <a:pPr algn="l">
               <a:buFont typeface="+mj-lt"/>
               <a:buAutoNum type="arabicPeriod" startAt="3"/>
@@ -922,6 +1055,66 @@
           <a:bodyPr/>
           <a:lstStyle/>
           <a:p>
+            <a:r>
+              <a:rPr lang="en-GB" sz="1800" dirty="0">
+                <a:solidFill>
+                  <a:srgbClr val="000000"/>
+                </a:solidFill>
+                <a:effectLst/>
+                <a:latin typeface="IBM Plex Sans" panose="020B0503050203000203" pitchFamily="34" charset="0"/>
+                <a:ea typeface="Calibri" panose="020F0502020204030204" pitchFamily="34" charset="0"/>
+                <a:cs typeface="Times New Roman" panose="02020603050405020304" pitchFamily="18" charset="0"/>
+              </a:rPr>
+              <a:t>Various modifications to the neural network were included whilst training our training dataset. These included increasing the no. of hidden layers,  neurons within the layers, changing the activation function and setting the binary accuracy threshold to 0.6. </a:t>
+            </a:r>
+            <a:endParaRPr lang="en-GB" sz="1800" dirty="0">
+              <a:effectLst/>
+              <a:latin typeface="Calibri" panose="020F0502020204030204" pitchFamily="34" charset="0"/>
+              <a:ea typeface="Calibri" panose="020F0502020204030204" pitchFamily="34" charset="0"/>
+              <a:cs typeface="Times New Roman" panose="02020603050405020304" pitchFamily="18" charset="0"/>
+            </a:endParaRPr>
+          </a:p>
+          <a:p>
+            <a:r>
+              <a:rPr lang="en-GB" sz="1800" dirty="0">
+                <a:solidFill>
+                  <a:srgbClr val="000000"/>
+                </a:solidFill>
+                <a:effectLst/>
+                <a:latin typeface="IBM Plex Sans" panose="020B0503050203000203" pitchFamily="34" charset="0"/>
+                <a:ea typeface="Calibri" panose="020F0502020204030204" pitchFamily="34" charset="0"/>
+                <a:cs typeface="Times New Roman" panose="02020603050405020304" pitchFamily="18" charset="0"/>
+              </a:rPr>
+              <a:t> </a:t>
+            </a:r>
+            <a:endParaRPr lang="en-GB" sz="1800" dirty="0">
+              <a:effectLst/>
+              <a:latin typeface="Calibri" panose="020F0502020204030204" pitchFamily="34" charset="0"/>
+              <a:ea typeface="Calibri" panose="020F0502020204030204" pitchFamily="34" charset="0"/>
+              <a:cs typeface="Times New Roman" panose="02020603050405020304" pitchFamily="18" charset="0"/>
+            </a:endParaRPr>
+          </a:p>
+          <a:p>
+            <a:r>
+              <a:rPr lang="en-GB" sz="1800" dirty="0">
+                <a:solidFill>
+                  <a:srgbClr val="000000"/>
+                </a:solidFill>
+                <a:effectLst/>
+                <a:latin typeface="IBM Plex Sans" panose="020B0503050203000203" pitchFamily="34" charset="0"/>
+                <a:ea typeface="Calibri" panose="020F0502020204030204" pitchFamily="34" charset="0"/>
+                <a:cs typeface="Times New Roman" panose="02020603050405020304" pitchFamily="18" charset="0"/>
+              </a:rPr>
+              <a:t>Here we found that a binary threshold of 0.6 seem to perform the best among various all the hyperparameter changes that we evaluated.</a:t>
+            </a:r>
+            <a:endParaRPr lang="en-GB" sz="1800" dirty="0">
+              <a:effectLst/>
+              <a:latin typeface="Calibri" panose="020F0502020204030204" pitchFamily="34" charset="0"/>
+              <a:ea typeface="Calibri" panose="020F0502020204030204" pitchFamily="34" charset="0"/>
+              <a:cs typeface="Times New Roman" panose="02020603050405020304" pitchFamily="18" charset="0"/>
+            </a:endParaRPr>
+          </a:p>
+          <a:p>
             <a:endParaRPr lang="en-GB" dirty="0"/>
           </a:p>
         </p:txBody>
@@ -1005,6 +1198,86 @@
         <p:txBody>
           <a:bodyPr/>
           <a:lstStyle/>
+          <a:p>
+            <a:r>
+              <a:rPr lang="en-GB" sz="1800" dirty="0">
+                <a:solidFill>
+                  <a:srgbClr val="0070C0"/>
+                </a:solidFill>
+                <a:effectLst/>
+                <a:latin typeface="IBM Plex Sans" panose="020B0503050203000203" pitchFamily="34" charset="0"/>
+                <a:ea typeface="Calibri" panose="020F0502020204030204" pitchFamily="34" charset="0"/>
+                <a:cs typeface="Times New Roman" panose="02020603050405020304" pitchFamily="18" charset="0"/>
+              </a:rPr>
+              <a:t>One of the common practise in ML world whilst dealing with imbalanced dataset is is to balance the dataset. One of the two main approached are adapted include either to replicate the minority class so it matches the majority OR draw representative samples from majority class to match the minority group. </a:t>
+            </a:r>
+            <a:endParaRPr lang="en-GB" sz="1800" dirty="0">
+              <a:effectLst/>
+              <a:latin typeface="Calibri" panose="020F0502020204030204" pitchFamily="34" charset="0"/>
+              <a:ea typeface="Calibri" panose="020F0502020204030204" pitchFamily="34" charset="0"/>
+              <a:cs typeface="Times New Roman" panose="02020603050405020304" pitchFamily="18" charset="0"/>
+            </a:endParaRPr>
+          </a:p>
+          <a:p>
+            <a:r>
+              <a:rPr lang="en-GB" sz="1800" dirty="0">
+                <a:solidFill>
+                  <a:srgbClr val="0070C0"/>
+                </a:solidFill>
+                <a:effectLst/>
+                <a:latin typeface="IBM Plex Sans" panose="020B0503050203000203" pitchFamily="34" charset="0"/>
+                <a:ea typeface="Calibri" panose="020F0502020204030204" pitchFamily="34" charset="0"/>
+                <a:cs typeface="Times New Roman" panose="02020603050405020304" pitchFamily="18" charset="0"/>
+              </a:rPr>
+              <a:t>A third approach could to include a combination of these approaches together to balance the dataset. </a:t>
+            </a:r>
+            <a:endParaRPr lang="en-GB" sz="1800" dirty="0">
+              <a:effectLst/>
+              <a:latin typeface="Calibri" panose="020F0502020204030204" pitchFamily="34" charset="0"/>
+              <a:ea typeface="Calibri" panose="020F0502020204030204" pitchFamily="34" charset="0"/>
+              <a:cs typeface="Times New Roman" panose="02020603050405020304" pitchFamily="18" charset="0"/>
+            </a:endParaRPr>
+          </a:p>
+          <a:p>
+            <a:r>
+              <a:rPr lang="en-GB" sz="1800" dirty="0">
+                <a:solidFill>
+                  <a:srgbClr val="0070C0"/>
+                </a:solidFill>
+                <a:effectLst/>
+                <a:latin typeface="IBM Plex Sans" panose="020B0503050203000203" pitchFamily="34" charset="0"/>
+                <a:ea typeface="Calibri" panose="020F0502020204030204" pitchFamily="34" charset="0"/>
+                <a:cs typeface="Times New Roman" panose="02020603050405020304" pitchFamily="18" charset="0"/>
+              </a:rPr>
+              <a:t> </a:t>
+            </a:r>
+            <a:endParaRPr lang="en-GB" sz="1800" dirty="0">
+              <a:effectLst/>
+              <a:latin typeface="Calibri" panose="020F0502020204030204" pitchFamily="34" charset="0"/>
+              <a:ea typeface="Calibri" panose="020F0502020204030204" pitchFamily="34" charset="0"/>
+              <a:cs typeface="Times New Roman" panose="02020603050405020304" pitchFamily="18" charset="0"/>
+            </a:endParaRPr>
+          </a:p>
+          <a:p>
+            <a:r>
+              <a:rPr lang="en-GB" sz="1800" dirty="0">
+                <a:solidFill>
+                  <a:srgbClr val="0070C0"/>
+                </a:solidFill>
+                <a:effectLst/>
+                <a:latin typeface="IBM Plex Sans" panose="020B0503050203000203" pitchFamily="34" charset="0"/>
+                <a:ea typeface="Calibri" panose="020F0502020204030204" pitchFamily="34" charset="0"/>
+                <a:cs typeface="Times New Roman" panose="02020603050405020304" pitchFamily="18" charset="0"/>
+              </a:rPr>
+              <a:t>We obtained perfect Precision/Recall scores using oversampling and SMOTETomek. </a:t>
+            </a:r>
+            <a:endParaRPr lang="en-GB" sz="1800" dirty="0">
+              <a:effectLst/>
+              <a:latin typeface="Calibri" panose="020F0502020204030204" pitchFamily="34" charset="0"/>
+              <a:ea typeface="Calibri" panose="020F0502020204030204" pitchFamily="34" charset="0"/>
+              <a:cs typeface="Times New Roman" panose="02020603050405020304" pitchFamily="18" charset="0"/>
+            </a:endParaRPr>
+          </a:p>
           <a:p>
             <a:endParaRPr lang="en-US" dirty="0"/>
           </a:p>
@@ -19404,8 +19677,8 @@
         </p:blipFill>
         <p:spPr>
           <a:xfrm>
-            <a:off x="3962716" y="3613171"/>
-            <a:ext cx="6946135" cy="2467267"/>
+            <a:off x="3962716" y="3414577"/>
+            <a:ext cx="7505243" cy="2665862"/>
           </a:xfrm>
           <a:prstGeom prst="rect">
             <a:avLst/>
@@ -19775,7 +20048,7 @@
           <p:nvPr>
             <p:extLst>
               <p:ext uri="{D42A27DB-BD31-4B8C-83A1-F6EECF244321}">
-                <p14:modId xmlns:p14="http://schemas.microsoft.com/office/powerpoint/2010/main" val="2262348885"/>
+                <p14:modId xmlns:p14="http://schemas.microsoft.com/office/powerpoint/2010/main" val="4027843785"/>
               </p:ext>
             </p:extLst>
           </p:nvPr>
@@ -20697,7 +20970,7 @@
                           <a:ea typeface="+mn-ea"/>
                           <a:cs typeface="+mn-cs"/>
                         </a:rPr>
-                        <a:t>activation </a:t>
+                        <a:t>Activation </a:t>
                       </a:r>
                       <a:r>
                         <a:rPr lang="en-GB" dirty="0">
@@ -21324,11 +21597,20 @@
             <a:r>
               <a:rPr lang="en-GB" sz="1600" dirty="0">
                 <a:solidFill>
+                  <a:srgbClr val="C00000"/>
+                </a:solidFill>
+                <a:effectLst/>
+              </a:rPr>
+              <a:t>RandomUnderSample</a:t>
+            </a:r>
+            <a:r>
+              <a:rPr lang="en-GB" sz="1600" dirty="0">
+                <a:solidFill>
                   <a:srgbClr val="000000"/>
                 </a:solidFill>
                 <a:effectLst/>
               </a:rPr>
-              <a:t>RandomUnderSampler</a:t>
+              <a:t>r</a:t>
             </a:r>
           </a:p>
           <a:p>
@@ -21419,7 +21701,7 @@
             <a:r>
               <a:rPr lang="en-GB" sz="1600" dirty="0">
                 <a:solidFill>
-                  <a:srgbClr val="000000"/>
+                  <a:srgbClr val="C00000"/>
                 </a:solidFill>
                 <a:effectLst/>
               </a:rPr>
@@ -22019,6 +22301,111 @@
           </a:fontRef>
         </p:style>
       </p:cxnSp>
+      <p:sp>
+        <p:nvSpPr>
+          <p:cNvPr id="9" name="TextBox 8">
+            <a:extLst>
+              <a:ext uri="{FF2B5EF4-FFF2-40B4-BE49-F238E27FC236}">
+                <a16:creationId xmlns:a16="http://schemas.microsoft.com/office/drawing/2014/main" id="{F6E8BEFE-D6C2-C2B1-A9A9-6729A752825A}"/>
+              </a:ext>
+            </a:extLst>
+          </p:cNvPr>
+          <p:cNvSpPr txBox="1"/>
+          <p:nvPr/>
+        </p:nvSpPr>
+        <p:spPr>
+          <a:xfrm>
+            <a:off x="961221" y="6267291"/>
+            <a:ext cx="2548390" cy="369332"/>
+          </a:xfrm>
+          <a:prstGeom prst="rect">
+            <a:avLst/>
+          </a:prstGeom>
+          <a:noFill/>
+        </p:spPr>
+        <p:txBody>
+          <a:bodyPr wrap="none" rtlCol="0">
+            <a:spAutoFit/>
+          </a:bodyPr>
+          <a:lstStyle/>
+          <a:p>
+            <a:r>
+              <a:rPr lang="en-US" dirty="0"/>
+              <a:t>Random Forest Classifier</a:t>
+            </a:r>
+          </a:p>
+        </p:txBody>
+      </p:sp>
+      <p:sp>
+        <p:nvSpPr>
+          <p:cNvPr id="14" name="TextBox 13">
+            <a:extLst>
+              <a:ext uri="{FF2B5EF4-FFF2-40B4-BE49-F238E27FC236}">
+                <a16:creationId xmlns:a16="http://schemas.microsoft.com/office/drawing/2014/main" id="{02CB0933-BD3C-0541-0B88-B045360807C5}"/>
+              </a:ext>
+            </a:extLst>
+          </p:cNvPr>
+          <p:cNvSpPr txBox="1"/>
+          <p:nvPr/>
+        </p:nvSpPr>
+        <p:spPr>
+          <a:xfrm>
+            <a:off x="4801365" y="5934245"/>
+            <a:ext cx="2548390" cy="369332"/>
+          </a:xfrm>
+          <a:prstGeom prst="rect">
+            <a:avLst/>
+          </a:prstGeom>
+          <a:noFill/>
+        </p:spPr>
+        <p:txBody>
+          <a:bodyPr wrap="none" rtlCol="0">
+            <a:spAutoFit/>
+          </a:bodyPr>
+          <a:lstStyle/>
+          <a:p>
+            <a:r>
+              <a:rPr lang="en-US" dirty="0"/>
+              <a:t>Random Forest Classifier</a:t>
+            </a:r>
+          </a:p>
+        </p:txBody>
+      </p:sp>
+      <p:sp>
+        <p:nvSpPr>
+          <p:cNvPr id="16" name="TextBox 15">
+            <a:extLst>
+              <a:ext uri="{FF2B5EF4-FFF2-40B4-BE49-F238E27FC236}">
+                <a16:creationId xmlns:a16="http://schemas.microsoft.com/office/drawing/2014/main" id="{D8ED43E7-330F-EB4A-C54B-F9451FB20C3A}"/>
+              </a:ext>
+            </a:extLst>
+          </p:cNvPr>
+          <p:cNvSpPr txBox="1"/>
+          <p:nvPr/>
+        </p:nvSpPr>
+        <p:spPr>
+          <a:xfrm>
+            <a:off x="8736059" y="6293221"/>
+            <a:ext cx="2548390" cy="369332"/>
+          </a:xfrm>
+          <a:prstGeom prst="rect">
+            <a:avLst/>
+          </a:prstGeom>
+          <a:noFill/>
+        </p:spPr>
+        <p:txBody>
+          <a:bodyPr wrap="none" rtlCol="0">
+            <a:spAutoFit/>
+          </a:bodyPr>
+          <a:lstStyle/>
+          <a:p>
+            <a:r>
+              <a:rPr lang="en-US" dirty="0"/>
+              <a:t>Random Forest Classifier</a:t>
+            </a:r>
+          </a:p>
+        </p:txBody>
+      </p:sp>
     </p:spTree>
     <p:extLst>
       <p:ext uri="{BB962C8B-B14F-4D97-AF65-F5344CB8AC3E}">
@@ -22345,7 +22732,13 @@
           <p:cNvGraphicFramePr>
             <a:graphicFrameLocks noGrp="1"/>
           </p:cNvGraphicFramePr>
-          <p:nvPr/>
+          <p:nvPr>
+            <p:extLst>
+              <p:ext uri="{D42A27DB-BD31-4B8C-83A1-F6EECF244321}">
+                <p14:modId xmlns:p14="http://schemas.microsoft.com/office/powerpoint/2010/main" val="1765457433"/>
+              </p:ext>
+            </p:extLst>
+          </p:nvPr>
         </p:nvGraphicFramePr>
         <p:xfrm>
           <a:off x="522885" y="771114"/>
@@ -23285,7 +23678,7 @@
                           <a:ea typeface="+mn-ea"/>
                           <a:cs typeface="+mn-cs"/>
                         </a:rPr>
-                        <a:t>RandomUnderSampler</a:t>
+                        <a:t>RandomUnderSampler (RFC)</a:t>
                       </a:r>
                       <a:endParaRPr lang="en-US" sz="1600" b="1" dirty="0">
                         <a:solidFill>
@@ -23413,7 +23806,7 @@
                           <a:ea typeface="+mn-ea"/>
                           <a:cs typeface="+mn-cs"/>
                         </a:rPr>
-                        <a:t>RandomOverSampler</a:t>
+                        <a:t>RandomOverSampler (RFC)</a:t>
                       </a:r>
                       <a:endParaRPr lang="en-US" sz="1600" dirty="0">
                         <a:solidFill>
@@ -23541,8 +23934,25 @@
                             <a:srgbClr val="0F16E8"/>
                           </a:solidFill>
                         </a:rPr>
-                        <a:t>SMOTETomek</a:t>
+                        <a:t>SMOTETomek </a:t>
                       </a:r>
+                      <a:r>
+                        <a:rPr lang="en-GB" sz="1600" kern="1200" dirty="0">
+                          <a:solidFill>
+                            <a:srgbClr val="0F16E8"/>
+                          </a:solidFill>
+                          <a:effectLst/>
+                          <a:latin typeface="+mn-lt"/>
+                          <a:ea typeface="+mn-ea"/>
+                          <a:cs typeface="+mn-cs"/>
+                        </a:rPr>
+                        <a:t>(RFC)</a:t>
+                      </a:r>
+                      <a:endParaRPr lang="en-US" sz="1600" dirty="0">
+                        <a:solidFill>
+                          <a:srgbClr val="0F16E8"/>
+                        </a:solidFill>
+                      </a:endParaRPr>
                     </a:p>
                   </a:txBody>
                   <a:tcPr/>
@@ -24696,7 +25106,7 @@
                     </a:schemeClr>
                   </a:solidFill>
                 </a:rPr>
-                <a:t>Both large dataset and large number of calculations meant longer modeling time.</a:t>
+                <a:t>Both large dataset and large number of metric calculations meant longer modeling time.</a:t>
               </a:r>
             </a:p>
           </p:txBody>
@@ -24967,7 +25377,20 @@
                     </a:schemeClr>
                   </a:solidFill>
                 </a:rPr>
-                <a:t>Successful at modeling algorithms with ‘best possible’ Precision and Recall without making any modification to the class distribution in the dataset</a:t>
+                <a:t>Successful at developing modeling with ‘best possible’ Precision and </a:t>
+              </a:r>
+            </a:p>
+            <a:p>
+              <a:r>
+                <a:rPr lang="en-US" dirty="0">
+                  <a:solidFill>
+                    <a:schemeClr val="tx1">
+                      <a:lumMod val="65000"/>
+                      <a:lumOff val="35000"/>
+                    </a:schemeClr>
+                  </a:solidFill>
+                </a:rPr>
+                <a:t>Recall in both imbalanced and balanced dataset</a:t>
               </a:r>
             </a:p>
           </p:txBody>

--- a/Presentation - CreditCardTransactions.pptx
+++ b/Presentation - CreditCardTransactions.pptx
@@ -892,7 +892,35 @@
                 <a:ea typeface="Calibri" panose="020F0502020204030204" pitchFamily="34" charset="0"/>
                 <a:cs typeface="Times New Roman" panose="02020603050405020304" pitchFamily="18" charset="0"/>
               </a:rPr>
-              <a:t>Neural networks rely on training data to learn and improve their accuracy. However, once these learning algorithms are fine-tuned for accuracy, they are powerful tools in machine learning allowing us to classify and cluster data at a very high velocity.</a:t>
+              <a:t>Neural networks rely on training data to learn and improve their accuracy. </a:t>
+            </a:r>
+          </a:p>
+          <a:p>
+            <a:r>
+              <a:rPr lang="en-GB" sz="1800" dirty="0">
+                <a:solidFill>
+                  <a:srgbClr val="000000"/>
+                </a:solidFill>
+                <a:effectLst/>
+                <a:latin typeface="IBM Plex Sans" panose="020B0503050203000203" pitchFamily="34" charset="0"/>
+                <a:ea typeface="Calibri" panose="020F0502020204030204" pitchFamily="34" charset="0"/>
+                <a:cs typeface="Times New Roman" panose="02020603050405020304" pitchFamily="18" charset="0"/>
+              </a:rPr>
+              <a:t>However, once these learning algorithms are fine-tuned for accuracy, </a:t>
+            </a:r>
+          </a:p>
+          <a:p>
+            <a:r>
+              <a:rPr lang="en-GB" sz="1800" dirty="0">
+                <a:solidFill>
+                  <a:srgbClr val="000000"/>
+                </a:solidFill>
+                <a:effectLst/>
+                <a:latin typeface="IBM Plex Sans" panose="020B0503050203000203" pitchFamily="34" charset="0"/>
+                <a:ea typeface="Calibri" panose="020F0502020204030204" pitchFamily="34" charset="0"/>
+                <a:cs typeface="Times New Roman" panose="02020603050405020304" pitchFamily="18" charset="0"/>
+              </a:rPr>
+              <a:t>they are powerful tools in machine learning to classify and cluster data at a very high velocity.</a:t>
             </a:r>
             <a:r>
               <a:rPr lang="en-GB" sz="1800" dirty="0">
@@ -904,7 +932,21 @@
                 <a:ea typeface="Calibri" panose="020F0502020204030204" pitchFamily="34" charset="0"/>
                 <a:cs typeface="Times New Roman" panose="02020603050405020304" pitchFamily="18" charset="0"/>
               </a:rPr>
-              <a:t> In this case to determine whether a  transaction was fraudulent or not.</a:t>
+              <a:t> </a:t>
+            </a:r>
+          </a:p>
+          <a:p>
+            <a:r>
+              <a:rPr lang="en-GB" sz="1800" dirty="0">
+                <a:solidFill>
+                  <a:srgbClr val="000000"/>
+                </a:solidFill>
+                <a:effectLst/>
+                <a:latin typeface="Calibri" panose="020F0502020204030204" pitchFamily="34" charset="0"/>
+                <a:ea typeface="Calibri" panose="020F0502020204030204" pitchFamily="34" charset="0"/>
+                <a:cs typeface="Times New Roman" panose="02020603050405020304" pitchFamily="18" charset="0"/>
+              </a:rPr>
+              <a:t>In this case to determine whether a  transaction was fraudulent or not.</a:t>
             </a:r>
           </a:p>
           <a:p>
@@ -946,7 +988,90 @@
                 <a:ea typeface="Calibri" panose="020F0502020204030204" pitchFamily="34" charset="0"/>
                 <a:cs typeface="Times New Roman" panose="02020603050405020304" pitchFamily="18" charset="0"/>
               </a:rPr>
-              <a:t>Since the dataset we are dealing with is severely imbalanced, it is very important to note that determining loss or accuracy alone will not give an indication of how well the neural networks are working in predicting the minority class. Therefore it was paramount to investigate the inner working with regards a lot of metrics including Precision and Recall. These metrics were fed into the network while training the network.</a:t>
+              <a:t>Since the dataset we are dealing with is severely imbalanced, it is very important to note that determining loss or accuracy alone will not give an indication of how well the neural networks are working in predicting the minority class.</a:t>
+            </a:r>
+          </a:p>
+          <a:p>
+            <a:pPr marL="0" marR="0" lvl="0" indent="0" algn="l" defTabSz="914400" rtl="0" eaLnBrk="1" fontAlgn="auto" latinLnBrk="0" hangingPunct="1">
+              <a:lnSpc>
+                <a:spcPct val="100000"/>
+              </a:lnSpc>
+              <a:spcBef>
+                <a:spcPts val="0"/>
+              </a:spcBef>
+              <a:spcAft>
+                <a:spcPts val="0"/>
+              </a:spcAft>
+              <a:buClrTx/>
+              <a:buSzTx/>
+              <a:buFontTx/>
+              <a:buNone/>
+              <a:tabLst/>
+              <a:defRPr/>
+            </a:pPr>
+            <a:endParaRPr lang="en-GB" sz="1800" dirty="0">
+              <a:solidFill>
+                <a:srgbClr val="2F5597"/>
+              </a:solidFill>
+              <a:effectLst/>
+              <a:latin typeface="IBM Plex Sans" panose="020B0503050203000203" pitchFamily="34" charset="0"/>
+              <a:ea typeface="Calibri" panose="020F0502020204030204" pitchFamily="34" charset="0"/>
+              <a:cs typeface="Times New Roman" panose="02020603050405020304" pitchFamily="18" charset="0"/>
+            </a:endParaRPr>
+          </a:p>
+          <a:p>
+            <a:pPr marL="0" marR="0" lvl="0" indent="0" algn="l" defTabSz="914400" rtl="0" eaLnBrk="1" fontAlgn="auto" latinLnBrk="0" hangingPunct="1">
+              <a:lnSpc>
+                <a:spcPct val="100000"/>
+              </a:lnSpc>
+              <a:spcBef>
+                <a:spcPts val="0"/>
+              </a:spcBef>
+              <a:spcAft>
+                <a:spcPts val="0"/>
+              </a:spcAft>
+              <a:buClrTx/>
+              <a:buSzTx/>
+              <a:buFontTx/>
+              <a:buNone/>
+              <a:tabLst/>
+              <a:defRPr/>
+            </a:pPr>
+            <a:r>
+              <a:rPr lang="en-GB" sz="1800" dirty="0">
+                <a:solidFill>
+                  <a:srgbClr val="2F5597"/>
+                </a:solidFill>
+                <a:effectLst/>
+                <a:latin typeface="IBM Plex Sans" panose="020B0503050203000203" pitchFamily="34" charset="0"/>
+                <a:ea typeface="Calibri" panose="020F0502020204030204" pitchFamily="34" charset="0"/>
+                <a:cs typeface="Times New Roman" panose="02020603050405020304" pitchFamily="18" charset="0"/>
+              </a:rPr>
+              <a:t>Therefore it was paramount to investigate the inner working with regards a lot of metrics including Precision and Recall. These metrics were fed into the network to be computed </a:t>
+            </a:r>
+            <a:r>
+              <a:rPr lang="en-GB" sz="1800">
+                <a:solidFill>
+                  <a:srgbClr val="2F5597"/>
+                </a:solidFill>
+                <a:effectLst/>
+                <a:latin typeface="IBM Plex Sans" panose="020B0503050203000203" pitchFamily="34" charset="0"/>
+                <a:ea typeface="Calibri" panose="020F0502020204030204" pitchFamily="34" charset="0"/>
+                <a:cs typeface="Times New Roman" panose="02020603050405020304" pitchFamily="18" charset="0"/>
+              </a:rPr>
+              <a:t>during the training </a:t>
+            </a:r>
+            <a:r>
+              <a:rPr lang="en-GB" sz="1800" dirty="0">
+                <a:solidFill>
+                  <a:srgbClr val="2F5597"/>
+                </a:solidFill>
+                <a:effectLst/>
+                <a:latin typeface="IBM Plex Sans" panose="020B0503050203000203" pitchFamily="34" charset="0"/>
+                <a:ea typeface="Calibri" panose="020F0502020204030204" pitchFamily="34" charset="0"/>
+                <a:cs typeface="Times New Roman" panose="02020603050405020304" pitchFamily="18" charset="0"/>
+              </a:rPr>
+              <a:t>process.</a:t>
             </a:r>
             <a:endParaRPr lang="en-GB" sz="1800" dirty="0">
               <a:effectLst/>
@@ -24913,9 +25038,9 @@
         <p:grpSpPr>
           <a:xfrm>
             <a:off x="3778633" y="2625407"/>
-            <a:ext cx="6761026" cy="923330"/>
+            <a:ext cx="7440910" cy="923330"/>
             <a:chOff x="7342968" y="5026948"/>
-            <a:chExt cx="6761026" cy="923330"/>
+            <a:chExt cx="7440910" cy="923330"/>
           </a:xfrm>
         </p:grpSpPr>
         <p:sp>
@@ -24970,7 +25095,7 @@
           <p:spPr>
             <a:xfrm>
               <a:off x="8150137" y="5026948"/>
-              <a:ext cx="5953857" cy="923330"/>
+              <a:ext cx="6633741" cy="923330"/>
             </a:xfrm>
             <a:prstGeom prst="rect">
               <a:avLst/>
@@ -25106,7 +25231,7 @@
                     </a:schemeClr>
                   </a:solidFill>
                 </a:rPr>
-                <a:t>Both large dataset and large number of metric calculations meant longer modeling time.</a:t>
+                <a:t>Both large dataset and number of metric calculations meant longer modeling time.</a:t>
               </a:r>
             </a:p>
           </p:txBody>
@@ -25390,7 +25515,7 @@
                     </a:schemeClr>
                   </a:solidFill>
                 </a:rPr>
-                <a:t>Recall in both imbalanced and balanced dataset</a:t>
+                <a:t>Recall scores in both imbalanced and balanced dataset</a:t>
               </a:r>
             </a:p>
           </p:txBody>

--- a/Presentation - CreditCardTransactions.pptx
+++ b/Presentation - CreditCardTransactions.pptx
@@ -5,7 +5,7 @@
     <p:sldMasterId id="2147483672" r:id="rId1"/>
   </p:sldMasterIdLst>
   <p:notesMasterIdLst>
-    <p:notesMasterId r:id="rId26"/>
+    <p:notesMasterId r:id="rId27"/>
   </p:notesMasterIdLst>
   <p:sldIdLst>
     <p:sldId id="256" r:id="rId2"/>
@@ -28,10 +28,11 @@
     <p:sldId id="272" r:id="rId19"/>
     <p:sldId id="273" r:id="rId20"/>
     <p:sldId id="294" r:id="rId21"/>
-    <p:sldId id="289" r:id="rId22"/>
-    <p:sldId id="296" r:id="rId23"/>
-    <p:sldId id="297" r:id="rId24"/>
-    <p:sldId id="298" r:id="rId25"/>
+    <p:sldId id="299" r:id="rId22"/>
+    <p:sldId id="289" r:id="rId23"/>
+    <p:sldId id="296" r:id="rId24"/>
+    <p:sldId id="297" r:id="rId25"/>
+    <p:sldId id="298" r:id="rId26"/>
   </p:sldIdLst>
   <p:sldSz cx="12192000" cy="6858000"/>
   <p:notesSz cx="6858000" cy="9144000"/>
@@ -1047,31 +1048,7 @@
                 <a:ea typeface="Calibri" panose="020F0502020204030204" pitchFamily="34" charset="0"/>
                 <a:cs typeface="Times New Roman" panose="02020603050405020304" pitchFamily="18" charset="0"/>
               </a:rPr>
-              <a:t>Therefore it was paramount to investigate the inner working with regards a lot of metrics including Precision and Recall. These metrics were fed into the network to be computed </a:t>
-            </a:r>
-            <a:r>
-              <a:rPr lang="en-GB" sz="1800">
-                <a:solidFill>
-                  <a:srgbClr val="2F5597"/>
-                </a:solidFill>
-                <a:effectLst/>
-                <a:latin typeface="IBM Plex Sans" panose="020B0503050203000203" pitchFamily="34" charset="0"/>
-                <a:ea typeface="Calibri" panose="020F0502020204030204" pitchFamily="34" charset="0"/>
-                <a:cs typeface="Times New Roman" panose="02020603050405020304" pitchFamily="18" charset="0"/>
-              </a:rPr>
-              <a:t>during the training </a:t>
-            </a:r>
-            <a:r>
-              <a:rPr lang="en-GB" sz="1800" dirty="0">
-                <a:solidFill>
-                  <a:srgbClr val="2F5597"/>
-                </a:solidFill>
-                <a:effectLst/>
-                <a:latin typeface="IBM Plex Sans" panose="020B0503050203000203" pitchFamily="34" charset="0"/>
-                <a:ea typeface="Calibri" panose="020F0502020204030204" pitchFamily="34" charset="0"/>
-                <a:cs typeface="Times New Roman" panose="02020603050405020304" pitchFamily="18" charset="0"/>
-              </a:rPr>
-              <a:t>process.</a:t>
+              <a:t>Therefore it was paramount to investigate the inner working with regards a lot of metrics including Precision and Recall. These metrics were fed into the network to be computed during the training process.</a:t>
             </a:r>
             <a:endParaRPr lang="en-GB" sz="1800" dirty="0">
               <a:effectLst/>
@@ -1261,7 +1238,7 @@
           <a:p>
             <a:fld id="{48B73D6A-A269-F044-9753-D7972945DF4A}" type="slidenum">
               <a:rPr lang="en-GB" smtClean="0"/>
-              <a:t>21</a:t>
+              <a:t>22</a:t>
             </a:fld>
             <a:endParaRPr lang="en-GB"/>
           </a:p>
@@ -1425,7 +1402,7 @@
           <a:p>
             <a:fld id="{48B73D6A-A269-F044-9753-D7972945DF4A}" type="slidenum">
               <a:rPr lang="en-GB" smtClean="0"/>
-              <a:t>22</a:t>
+              <a:t>23</a:t>
             </a:fld>
             <a:endParaRPr lang="en-GB"/>
           </a:p>
@@ -1513,7 +1490,7 @@
           <a:p>
             <a:fld id="{48B73D6A-A269-F044-9753-D7972945DF4A}" type="slidenum">
               <a:rPr lang="en-GB" smtClean="0"/>
-              <a:t>23</a:t>
+              <a:t>24</a:t>
             </a:fld>
             <a:endParaRPr lang="en-GB"/>
           </a:p>
@@ -1601,7 +1578,7 @@
           <a:p>
             <a:fld id="{48B73D6A-A269-F044-9753-D7972945DF4A}" type="slidenum">
               <a:rPr lang="en-GB" smtClean="0"/>
-              <a:t>24</a:t>
+              <a:t>25</a:t>
             </a:fld>
             <a:endParaRPr lang="en-GB"/>
           </a:p>
@@ -7285,7 +7262,7 @@
         </p:nvGrpSpPr>
         <p:grpSpPr>
           <a:xfrm>
-            <a:off x="5868643" y="3166486"/>
+            <a:off x="5793310" y="2574117"/>
             <a:ext cx="2971800" cy="2501900"/>
             <a:chOff x="5452851" y="2698569"/>
             <a:chExt cx="2971800" cy="2501900"/>
@@ -19361,52 +19338,6 @@
       </p:cxnSp>
       <p:sp>
         <p:nvSpPr>
-          <p:cNvPr id="7" name="Right Triangle 6"/>
-          <p:cNvSpPr/>
-          <p:nvPr/>
-        </p:nvSpPr>
-        <p:spPr>
-          <a:xfrm flipH="1" flipV="1">
-            <a:off x="10159572" y="-1"/>
-            <a:ext cx="2032427" cy="1777874"/>
-          </a:xfrm>
-          <a:prstGeom prst="rtTriangle">
-            <a:avLst/>
-          </a:prstGeom>
-          <a:solidFill>
-            <a:schemeClr val="accent3"/>
-          </a:solidFill>
-          <a:ln>
-            <a:noFill/>
-          </a:ln>
-        </p:spPr>
-        <p:style>
-          <a:lnRef idx="2">
-            <a:schemeClr val="accent1">
-              <a:shade val="50000"/>
-            </a:schemeClr>
-          </a:lnRef>
-          <a:fillRef idx="1">
-            <a:schemeClr val="accent1"/>
-          </a:fillRef>
-          <a:effectRef idx="0">
-            <a:schemeClr val="accent1"/>
-          </a:effectRef>
-          <a:fontRef idx="minor">
-            <a:schemeClr val="lt1"/>
-          </a:fontRef>
-        </p:style>
-        <p:txBody>
-          <a:bodyPr rtlCol="0" anchor="ctr"/>
-          <a:lstStyle/>
-          <a:p>
-            <a:pPr algn="ctr"/>
-            <a:endParaRPr lang="en-US"/>
-          </a:p>
-        </p:txBody>
-      </p:sp>
-      <p:sp>
-        <p:nvSpPr>
           <p:cNvPr id="9" name="Rectangle 6"/>
           <p:cNvSpPr/>
           <p:nvPr/>
@@ -19630,156 +19561,223 @@
           </a:prstGeom>
         </p:spPr>
       </p:pic>
-      <p:sp>
-        <p:nvSpPr>
-          <p:cNvPr id="14" name="TextBox 13">
+      <p:grpSp>
+        <p:nvGrpSpPr>
+          <p:cNvPr id="8" name="Group 7">
             <a:extLst>
               <a:ext uri="{FF2B5EF4-FFF2-40B4-BE49-F238E27FC236}">
-                <a16:creationId xmlns:a16="http://schemas.microsoft.com/office/drawing/2014/main" id="{6AF5CA39-7F3C-5CBB-CABD-DBC721D4A311}"/>
+                <a16:creationId xmlns:a16="http://schemas.microsoft.com/office/drawing/2014/main" id="{6C0003F8-0618-4C73-9CB3-D6A09C483AC4}"/>
               </a:ext>
             </a:extLst>
           </p:cNvPr>
-          <p:cNvSpPr txBox="1"/>
+          <p:cNvGrpSpPr/>
           <p:nvPr/>
-        </p:nvSpPr>
-        <p:spPr>
+        </p:nvGrpSpPr>
+        <p:grpSpPr>
           <a:xfrm>
-            <a:off x="10262738" y="1270138"/>
-            <a:ext cx="746417" cy="369332"/>
+            <a:off x="2293892" y="-1"/>
+            <a:ext cx="9898107" cy="2620482"/>
+            <a:chOff x="2293892" y="-1"/>
+            <a:chExt cx="9898107" cy="2620482"/>
           </a:xfrm>
-          <a:prstGeom prst="rect">
-            <a:avLst/>
-          </a:prstGeom>
-          <a:noFill/>
-        </p:spPr>
-        <p:txBody>
-          <a:bodyPr wrap="none" rtlCol="0">
-            <a:spAutoFit/>
-          </a:bodyPr>
-          <a:lstStyle/>
-          <a:p>
-            <a:r>
-              <a:rPr lang="en-US" b="1" dirty="0"/>
-              <a:t>Class 0</a:t>
-            </a:r>
-          </a:p>
-        </p:txBody>
-      </p:sp>
-      <p:sp>
-        <p:nvSpPr>
-          <p:cNvPr id="15" name="TextBox 14">
-            <a:extLst>
-              <a:ext uri="{FF2B5EF4-FFF2-40B4-BE49-F238E27FC236}">
-                <a16:creationId xmlns:a16="http://schemas.microsoft.com/office/drawing/2014/main" id="{9EAA1502-3804-F68D-0C0F-4AA488F55458}"/>
-              </a:ext>
-            </a:extLst>
-          </p:cNvPr>
-          <p:cNvSpPr txBox="1"/>
-          <p:nvPr/>
-        </p:nvSpPr>
-        <p:spPr>
-          <a:xfrm>
-            <a:off x="10244704" y="1765832"/>
-            <a:ext cx="753703" cy="369332"/>
-          </a:xfrm>
-          <a:prstGeom prst="rect">
-            <a:avLst/>
-          </a:prstGeom>
-          <a:noFill/>
-        </p:spPr>
-        <p:txBody>
-          <a:bodyPr wrap="none" rtlCol="0">
-            <a:spAutoFit/>
-          </a:bodyPr>
-          <a:lstStyle/>
-          <a:p>
-            <a:r>
-              <a:rPr lang="en-US" b="1" dirty="0"/>
-              <a:t>Class 1</a:t>
-            </a:r>
-          </a:p>
-        </p:txBody>
-      </p:sp>
-      <p:sp>
-        <p:nvSpPr>
-          <p:cNvPr id="16" name="TextBox 15">
-            <a:extLst>
-              <a:ext uri="{FF2B5EF4-FFF2-40B4-BE49-F238E27FC236}">
-                <a16:creationId xmlns:a16="http://schemas.microsoft.com/office/drawing/2014/main" id="{A537451F-0B8C-D865-270A-FA448BD4C0C1}"/>
-              </a:ext>
-            </a:extLst>
-          </p:cNvPr>
-          <p:cNvSpPr txBox="1"/>
-          <p:nvPr/>
-        </p:nvSpPr>
-        <p:spPr>
-          <a:xfrm>
-            <a:off x="2293892" y="1507665"/>
-            <a:ext cx="1342385" cy="369332"/>
-          </a:xfrm>
-          <a:prstGeom prst="rect">
-            <a:avLst/>
-          </a:prstGeom>
-          <a:noFill/>
-        </p:spPr>
-        <p:txBody>
-          <a:bodyPr wrap="none" rtlCol="0">
-            <a:spAutoFit/>
-          </a:bodyPr>
-          <a:lstStyle/>
-          <a:p>
-            <a:r>
-              <a:rPr lang="en-US" b="1" dirty="0"/>
-              <a:t>Input Feature</a:t>
-            </a:r>
-          </a:p>
-        </p:txBody>
-      </p:sp>
-      <p:sp>
-        <p:nvSpPr>
-          <p:cNvPr id="17" name="Left Brace 16">
-            <a:extLst>
-              <a:ext uri="{FF2B5EF4-FFF2-40B4-BE49-F238E27FC236}">
-                <a16:creationId xmlns:a16="http://schemas.microsoft.com/office/drawing/2014/main" id="{10B19B25-B8A7-651B-18D4-990939D704F8}"/>
-              </a:ext>
-            </a:extLst>
-          </p:cNvPr>
-          <p:cNvSpPr/>
-          <p:nvPr/>
-        </p:nvSpPr>
-        <p:spPr>
-          <a:xfrm>
-            <a:off x="3764433" y="842607"/>
-            <a:ext cx="396566" cy="1777874"/>
-          </a:xfrm>
-          <a:prstGeom prst="leftBrace">
-            <a:avLst/>
-          </a:prstGeom>
-          <a:ln w="31750"/>
-        </p:spPr>
-        <p:style>
-          <a:lnRef idx="1">
-            <a:schemeClr val="accent1"/>
-          </a:lnRef>
-          <a:fillRef idx="0">
-            <a:schemeClr val="accent1"/>
-          </a:fillRef>
-          <a:effectRef idx="0">
-            <a:schemeClr val="accent1"/>
-          </a:effectRef>
-          <a:fontRef idx="minor">
-            <a:schemeClr val="tx1"/>
-          </a:fontRef>
-        </p:style>
-        <p:txBody>
-          <a:bodyPr rtlCol="0" anchor="ctr"/>
-          <a:lstStyle/>
-          <a:p>
-            <a:pPr algn="ctr"/>
-            <a:endParaRPr lang="en-US"/>
-          </a:p>
-        </p:txBody>
-      </p:sp>
+        </p:grpSpPr>
+        <p:sp>
+          <p:nvSpPr>
+            <p:cNvPr id="7" name="Right Triangle 6"/>
+            <p:cNvSpPr/>
+            <p:nvPr/>
+          </p:nvSpPr>
+          <p:spPr>
+            <a:xfrm flipH="1" flipV="1">
+              <a:off x="10159572" y="-1"/>
+              <a:ext cx="2032427" cy="1777874"/>
+            </a:xfrm>
+            <a:prstGeom prst="rtTriangle">
+              <a:avLst/>
+            </a:prstGeom>
+            <a:solidFill>
+              <a:schemeClr val="accent3"/>
+            </a:solidFill>
+            <a:ln>
+              <a:noFill/>
+            </a:ln>
+          </p:spPr>
+          <p:style>
+            <a:lnRef idx="2">
+              <a:schemeClr val="accent1">
+                <a:shade val="50000"/>
+              </a:schemeClr>
+            </a:lnRef>
+            <a:fillRef idx="1">
+              <a:schemeClr val="accent1"/>
+            </a:fillRef>
+            <a:effectRef idx="0">
+              <a:schemeClr val="accent1"/>
+            </a:effectRef>
+            <a:fontRef idx="minor">
+              <a:schemeClr val="lt1"/>
+            </a:fontRef>
+          </p:style>
+          <p:txBody>
+            <a:bodyPr rtlCol="0" anchor="ctr"/>
+            <a:lstStyle/>
+            <a:p>
+              <a:pPr algn="ctr"/>
+              <a:endParaRPr lang="en-US"/>
+            </a:p>
+          </p:txBody>
+        </p:sp>
+        <p:sp>
+          <p:nvSpPr>
+            <p:cNvPr id="14" name="TextBox 13">
+              <a:extLst>
+                <a:ext uri="{FF2B5EF4-FFF2-40B4-BE49-F238E27FC236}">
+                  <a16:creationId xmlns:a16="http://schemas.microsoft.com/office/drawing/2014/main" id="{6AF5CA39-7F3C-5CBB-CABD-DBC721D4A311}"/>
+                </a:ext>
+              </a:extLst>
+            </p:cNvPr>
+            <p:cNvSpPr txBox="1"/>
+            <p:nvPr/>
+          </p:nvSpPr>
+          <p:spPr>
+            <a:xfrm>
+              <a:off x="10262738" y="1270138"/>
+              <a:ext cx="746417" cy="369332"/>
+            </a:xfrm>
+            <a:prstGeom prst="rect">
+              <a:avLst/>
+            </a:prstGeom>
+            <a:noFill/>
+          </p:spPr>
+          <p:txBody>
+            <a:bodyPr wrap="none" rtlCol="0">
+              <a:spAutoFit/>
+            </a:bodyPr>
+            <a:lstStyle/>
+            <a:p>
+              <a:r>
+                <a:rPr lang="en-US" b="1" dirty="0"/>
+                <a:t>Class 0</a:t>
+              </a:r>
+            </a:p>
+          </p:txBody>
+        </p:sp>
+        <p:sp>
+          <p:nvSpPr>
+            <p:cNvPr id="15" name="TextBox 14">
+              <a:extLst>
+                <a:ext uri="{FF2B5EF4-FFF2-40B4-BE49-F238E27FC236}">
+                  <a16:creationId xmlns:a16="http://schemas.microsoft.com/office/drawing/2014/main" id="{9EAA1502-3804-F68D-0C0F-4AA488F55458}"/>
+                </a:ext>
+              </a:extLst>
+            </p:cNvPr>
+            <p:cNvSpPr txBox="1"/>
+            <p:nvPr/>
+          </p:nvSpPr>
+          <p:spPr>
+            <a:xfrm>
+              <a:off x="10244704" y="1765832"/>
+              <a:ext cx="753703" cy="369332"/>
+            </a:xfrm>
+            <a:prstGeom prst="rect">
+              <a:avLst/>
+            </a:prstGeom>
+            <a:noFill/>
+          </p:spPr>
+          <p:txBody>
+            <a:bodyPr wrap="none" rtlCol="0">
+              <a:spAutoFit/>
+            </a:bodyPr>
+            <a:lstStyle/>
+            <a:p>
+              <a:r>
+                <a:rPr lang="en-US" b="1" dirty="0"/>
+                <a:t>Class 1</a:t>
+              </a:r>
+            </a:p>
+          </p:txBody>
+        </p:sp>
+        <p:sp>
+          <p:nvSpPr>
+            <p:cNvPr id="16" name="TextBox 15">
+              <a:extLst>
+                <a:ext uri="{FF2B5EF4-FFF2-40B4-BE49-F238E27FC236}">
+                  <a16:creationId xmlns:a16="http://schemas.microsoft.com/office/drawing/2014/main" id="{A537451F-0B8C-D865-270A-FA448BD4C0C1}"/>
+                </a:ext>
+              </a:extLst>
+            </p:cNvPr>
+            <p:cNvSpPr txBox="1"/>
+            <p:nvPr/>
+          </p:nvSpPr>
+          <p:spPr>
+            <a:xfrm>
+              <a:off x="2293892" y="1507665"/>
+              <a:ext cx="1342385" cy="369332"/>
+            </a:xfrm>
+            <a:prstGeom prst="rect">
+              <a:avLst/>
+            </a:prstGeom>
+            <a:noFill/>
+          </p:spPr>
+          <p:txBody>
+            <a:bodyPr wrap="none" rtlCol="0">
+              <a:spAutoFit/>
+            </a:bodyPr>
+            <a:lstStyle/>
+            <a:p>
+              <a:r>
+                <a:rPr lang="en-US" b="1" dirty="0"/>
+                <a:t>Input Feature</a:t>
+              </a:r>
+            </a:p>
+          </p:txBody>
+        </p:sp>
+        <p:sp>
+          <p:nvSpPr>
+            <p:cNvPr id="17" name="Left Brace 16">
+              <a:extLst>
+                <a:ext uri="{FF2B5EF4-FFF2-40B4-BE49-F238E27FC236}">
+                  <a16:creationId xmlns:a16="http://schemas.microsoft.com/office/drawing/2014/main" id="{10B19B25-B8A7-651B-18D4-990939D704F8}"/>
+                </a:ext>
+              </a:extLst>
+            </p:cNvPr>
+            <p:cNvSpPr/>
+            <p:nvPr/>
+          </p:nvSpPr>
+          <p:spPr>
+            <a:xfrm>
+              <a:off x="3764433" y="842607"/>
+              <a:ext cx="396566" cy="1777874"/>
+            </a:xfrm>
+            <a:prstGeom prst="leftBrace">
+              <a:avLst/>
+            </a:prstGeom>
+            <a:ln w="31750"/>
+          </p:spPr>
+          <p:style>
+            <a:lnRef idx="1">
+              <a:schemeClr val="accent1"/>
+            </a:lnRef>
+            <a:fillRef idx="0">
+              <a:schemeClr val="accent1"/>
+            </a:fillRef>
+            <a:effectRef idx="0">
+              <a:schemeClr val="accent1"/>
+            </a:effectRef>
+            <a:fontRef idx="minor">
+              <a:schemeClr val="tx1"/>
+            </a:fontRef>
+          </p:style>
+          <p:txBody>
+            <a:bodyPr rtlCol="0" anchor="ctr"/>
+            <a:lstStyle/>
+            <a:p>
+              <a:pPr algn="ctr"/>
+              <a:endParaRPr lang="en-US"/>
+            </a:p>
+          </p:txBody>
+        </p:sp>
+      </p:grpSp>
       <p:pic>
         <p:nvPicPr>
           <p:cNvPr id="18" name="Picture 17" descr="Text&#10;&#10;Description automatically generated with medium confidence">
@@ -19827,6 +19825,310 @@
 </file>
 
 <file path=ppt/slides/slide21.xml><?xml version="1.0" encoding="utf-8"?>
+<p:sld xmlns:a="http://schemas.openxmlformats.org/drawingml/2006/main" xmlns:r="http://schemas.openxmlformats.org/officeDocument/2006/relationships" xmlns:p="http://schemas.openxmlformats.org/presentationml/2006/main">
+  <p:cSld>
+    <p:spTree>
+      <p:nvGrpSpPr>
+        <p:cNvPr id="1" name=""/>
+        <p:cNvGrpSpPr/>
+        <p:nvPr/>
+      </p:nvGrpSpPr>
+      <p:grpSpPr>
+        <a:xfrm>
+          <a:off x="0" y="0"/>
+          <a:ext cx="0" cy="0"/>
+          <a:chOff x="0" y="0"/>
+          <a:chExt cx="0" cy="0"/>
+        </a:xfrm>
+      </p:grpSpPr>
+      <p:sp>
+        <p:nvSpPr>
+          <p:cNvPr id="3" name="Right Triangle 2">
+            <a:extLst>
+              <a:ext uri="{FF2B5EF4-FFF2-40B4-BE49-F238E27FC236}">
+                <a16:creationId xmlns:a16="http://schemas.microsoft.com/office/drawing/2014/main" id="{9AA1EE12-01DE-7948-4E77-9ED4282E4C2D}"/>
+              </a:ext>
+            </a:extLst>
+          </p:cNvPr>
+          <p:cNvSpPr/>
+          <p:nvPr/>
+        </p:nvSpPr>
+        <p:spPr>
+          <a:xfrm flipH="1" flipV="1">
+            <a:off x="10159572" y="-1"/>
+            <a:ext cx="2032427" cy="1777874"/>
+          </a:xfrm>
+          <a:prstGeom prst="rtTriangle">
+            <a:avLst/>
+          </a:prstGeom>
+          <a:solidFill>
+            <a:schemeClr val="accent3"/>
+          </a:solidFill>
+          <a:ln>
+            <a:noFill/>
+          </a:ln>
+        </p:spPr>
+        <p:style>
+          <a:lnRef idx="2">
+            <a:schemeClr val="accent1">
+              <a:shade val="50000"/>
+            </a:schemeClr>
+          </a:lnRef>
+          <a:fillRef idx="1">
+            <a:schemeClr val="accent1"/>
+          </a:fillRef>
+          <a:effectRef idx="0">
+            <a:schemeClr val="accent1"/>
+          </a:effectRef>
+          <a:fontRef idx="minor">
+            <a:schemeClr val="lt1"/>
+          </a:fontRef>
+        </p:style>
+        <p:txBody>
+          <a:bodyPr rtlCol="0" anchor="ctr"/>
+          <a:lstStyle/>
+          <a:p>
+            <a:pPr algn="ctr"/>
+            <a:endParaRPr lang="en-US"/>
+          </a:p>
+        </p:txBody>
+      </p:sp>
+      <p:pic>
+        <p:nvPicPr>
+          <p:cNvPr id="10" name="Picture 9" descr="Calendar&#10;&#10;Description automatically generated">
+            <a:extLst>
+              <a:ext uri="{FF2B5EF4-FFF2-40B4-BE49-F238E27FC236}">
+                <a16:creationId xmlns:a16="http://schemas.microsoft.com/office/drawing/2014/main" id="{F941D947-440C-C63E-2613-C1803F37C5D8}"/>
+              </a:ext>
+            </a:extLst>
+          </p:cNvPr>
+          <p:cNvPicPr>
+            <a:picLocks noChangeAspect="1"/>
+          </p:cNvPicPr>
+          <p:nvPr/>
+        </p:nvPicPr>
+        <p:blipFill>
+          <a:blip r:embed="rId2"/>
+          <a:stretch>
+            <a:fillRect/>
+          </a:stretch>
+        </p:blipFill>
+        <p:spPr>
+          <a:xfrm>
+            <a:off x="5678957" y="600918"/>
+            <a:ext cx="3886200" cy="1600200"/>
+          </a:xfrm>
+          <a:prstGeom prst="rect">
+            <a:avLst/>
+          </a:prstGeom>
+        </p:spPr>
+      </p:pic>
+      <p:pic>
+        <p:nvPicPr>
+          <p:cNvPr id="11" name="Picture 10" descr="Calendar&#10;&#10;Description automatically generated">
+            <a:extLst>
+              <a:ext uri="{FF2B5EF4-FFF2-40B4-BE49-F238E27FC236}">
+                <a16:creationId xmlns:a16="http://schemas.microsoft.com/office/drawing/2014/main" id="{47BAF4BE-AAC2-A5DD-4DB4-63F8FA6F171D}"/>
+              </a:ext>
+            </a:extLst>
+          </p:cNvPr>
+          <p:cNvPicPr>
+            <a:picLocks noChangeAspect="1"/>
+          </p:cNvPicPr>
+          <p:nvPr/>
+        </p:nvPicPr>
+        <p:blipFill rotWithShape="1">
+          <a:blip r:embed="rId3"/>
+          <a:srcRect t="5263" b="-1"/>
+          <a:stretch/>
+        </p:blipFill>
+        <p:spPr>
+          <a:xfrm>
+            <a:off x="5691657" y="4467029"/>
+            <a:ext cx="3873500" cy="1600200"/>
+          </a:xfrm>
+          <a:prstGeom prst="rect">
+            <a:avLst/>
+          </a:prstGeom>
+        </p:spPr>
+      </p:pic>
+      <p:pic>
+        <p:nvPicPr>
+          <p:cNvPr id="14" name="Picture 13" descr="Table, calendar&#10;&#10;Description automatically generated with medium confidence">
+            <a:extLst>
+              <a:ext uri="{FF2B5EF4-FFF2-40B4-BE49-F238E27FC236}">
+                <a16:creationId xmlns:a16="http://schemas.microsoft.com/office/drawing/2014/main" id="{18CAF711-A8BC-16E9-D365-27350DBEA4AA}"/>
+              </a:ext>
+            </a:extLst>
+          </p:cNvPr>
+          <p:cNvPicPr>
+            <a:picLocks noChangeAspect="1"/>
+          </p:cNvPicPr>
+          <p:nvPr/>
+        </p:nvPicPr>
+        <p:blipFill rotWithShape="1">
+          <a:blip r:embed="rId4"/>
+          <a:srcRect t="6913"/>
+          <a:stretch/>
+        </p:blipFill>
+        <p:spPr>
+          <a:xfrm>
+            <a:off x="5678957" y="2494952"/>
+            <a:ext cx="3886200" cy="1678243"/>
+          </a:xfrm>
+          <a:prstGeom prst="rect">
+            <a:avLst/>
+          </a:prstGeom>
+        </p:spPr>
+      </p:pic>
+      <p:sp>
+        <p:nvSpPr>
+          <p:cNvPr id="16" name="TextBox 15">
+            <a:extLst>
+              <a:ext uri="{FF2B5EF4-FFF2-40B4-BE49-F238E27FC236}">
+                <a16:creationId xmlns:a16="http://schemas.microsoft.com/office/drawing/2014/main" id="{E316534A-8617-C030-78D3-49D5A43DC757}"/>
+              </a:ext>
+            </a:extLst>
+          </p:cNvPr>
+          <p:cNvSpPr txBox="1"/>
+          <p:nvPr/>
+        </p:nvSpPr>
+        <p:spPr>
+          <a:xfrm>
+            <a:off x="6524696" y="231586"/>
+            <a:ext cx="2548390" cy="369332"/>
+          </a:xfrm>
+          <a:prstGeom prst="rect">
+            <a:avLst/>
+          </a:prstGeom>
+          <a:noFill/>
+        </p:spPr>
+        <p:txBody>
+          <a:bodyPr wrap="none" rtlCol="0">
+            <a:spAutoFit/>
+          </a:bodyPr>
+          <a:lstStyle/>
+          <a:p>
+            <a:r>
+              <a:rPr lang="en-US" dirty="0"/>
+              <a:t>Random Forest Classifier</a:t>
+            </a:r>
+          </a:p>
+        </p:txBody>
+      </p:sp>
+      <p:pic>
+        <p:nvPicPr>
+          <p:cNvPr id="18" name="Picture 17" descr="Chart, bar chart, waterfall chart&#10;&#10;Description automatically generated">
+            <a:extLst>
+              <a:ext uri="{FF2B5EF4-FFF2-40B4-BE49-F238E27FC236}">
+                <a16:creationId xmlns:a16="http://schemas.microsoft.com/office/drawing/2014/main" id="{815A5C6C-27FE-EC0D-EF96-127BA4360F1B}"/>
+              </a:ext>
+            </a:extLst>
+          </p:cNvPr>
+          <p:cNvPicPr>
+            <a:picLocks noChangeAspect="1"/>
+          </p:cNvPicPr>
+          <p:nvPr/>
+        </p:nvPicPr>
+        <p:blipFill rotWithShape="1">
+          <a:blip r:embed="rId5"/>
+          <a:srcRect l="52033"/>
+          <a:stretch/>
+        </p:blipFill>
+        <p:spPr>
+          <a:xfrm>
+            <a:off x="3036823" y="536311"/>
+            <a:ext cx="2401387" cy="1603387"/>
+          </a:xfrm>
+          <a:prstGeom prst="rect">
+            <a:avLst/>
+          </a:prstGeom>
+        </p:spPr>
+      </p:pic>
+      <p:pic>
+        <p:nvPicPr>
+          <p:cNvPr id="19" name="Picture 18" descr="Chart, bar chart, waterfall chart&#10;&#10;Description automatically generated">
+            <a:extLst>
+              <a:ext uri="{FF2B5EF4-FFF2-40B4-BE49-F238E27FC236}">
+                <a16:creationId xmlns:a16="http://schemas.microsoft.com/office/drawing/2014/main" id="{D0A07121-DEAC-E8BE-9F68-BF8F095A03D5}"/>
+              </a:ext>
+            </a:extLst>
+          </p:cNvPr>
+          <p:cNvPicPr>
+            <a:picLocks noChangeAspect="1"/>
+          </p:cNvPicPr>
+          <p:nvPr/>
+        </p:nvPicPr>
+        <p:blipFill rotWithShape="1">
+          <a:blip r:embed="rId5"/>
+          <a:srcRect r="53156"/>
+          <a:stretch/>
+        </p:blipFill>
+        <p:spPr>
+          <a:xfrm>
+            <a:off x="3093015" y="4532653"/>
+            <a:ext cx="2345195" cy="1603387"/>
+          </a:xfrm>
+          <a:prstGeom prst="rect">
+            <a:avLst/>
+          </a:prstGeom>
+        </p:spPr>
+      </p:pic>
+      <p:sp>
+        <p:nvSpPr>
+          <p:cNvPr id="21" name="TextBox 20">
+            <a:extLst>
+              <a:ext uri="{FF2B5EF4-FFF2-40B4-BE49-F238E27FC236}">
+                <a16:creationId xmlns:a16="http://schemas.microsoft.com/office/drawing/2014/main" id="{5F1A7EDC-37B5-7BBA-DE81-DE60E619B036}"/>
+              </a:ext>
+            </a:extLst>
+          </p:cNvPr>
+          <p:cNvSpPr txBox="1"/>
+          <p:nvPr/>
+        </p:nvSpPr>
+        <p:spPr>
+          <a:xfrm>
+            <a:off x="4017223" y="3244334"/>
+            <a:ext cx="1504957" cy="369332"/>
+          </a:xfrm>
+          <a:prstGeom prst="rect">
+            <a:avLst/>
+          </a:prstGeom>
+          <a:noFill/>
+        </p:spPr>
+        <p:txBody>
+          <a:bodyPr wrap="square">
+            <a:spAutoFit/>
+          </a:bodyPr>
+          <a:lstStyle/>
+          <a:p>
+            <a:r>
+              <a:rPr lang="en-GB" b="1" dirty="0">
+                <a:solidFill>
+                  <a:srgbClr val="000000"/>
+                </a:solidFill>
+                <a:effectLst/>
+              </a:rPr>
+              <a:t>SMOTETomek</a:t>
+            </a:r>
+            <a:endParaRPr lang="en-US" b="1" dirty="0"/>
+          </a:p>
+        </p:txBody>
+      </p:sp>
+    </p:spTree>
+    <p:extLst>
+      <p:ext uri="{BB962C8B-B14F-4D97-AF65-F5344CB8AC3E}">
+        <p14:creationId xmlns:p14="http://schemas.microsoft.com/office/powerpoint/2010/main" val="2203912082"/>
+      </p:ext>
+    </p:extLst>
+  </p:cSld>
+  <p:clrMapOvr>
+    <a:masterClrMapping/>
+  </p:clrMapOvr>
+</p:sld>
+</file>
+
+<file path=ppt/slides/slide22.xml><?xml version="1.0" encoding="utf-8"?>
 <p:sld xmlns:a="http://schemas.openxmlformats.org/drawingml/2006/main" xmlns:r="http://schemas.openxmlformats.org/officeDocument/2006/relationships" xmlns:p="http://schemas.openxmlformats.org/presentationml/2006/main">
   <p:cSld>
     <p:spTree>
@@ -20173,7 +20475,7 @@
           <p:nvPr>
             <p:extLst>
               <p:ext uri="{D42A27DB-BD31-4B8C-83A1-F6EECF244321}">
-                <p14:modId xmlns:p14="http://schemas.microsoft.com/office/powerpoint/2010/main" val="4027843785"/>
+                <p14:modId xmlns:p14="http://schemas.microsoft.com/office/powerpoint/2010/main" val="3798203382"/>
               </p:ext>
             </p:extLst>
           </p:nvPr>
@@ -21418,7 +21720,7 @@
 </p:sld>
 </file>
 
-<file path=ppt/slides/slide22.xml><?xml version="1.0" encoding="utf-8"?>
+<file path=ppt/slides/slide23.xml><?xml version="1.0" encoding="utf-8"?>
 <p:sld xmlns:a="http://schemas.openxmlformats.org/drawingml/2006/main" xmlns:r="http://schemas.openxmlformats.org/officeDocument/2006/relationships" xmlns:p="http://schemas.openxmlformats.org/presentationml/2006/main">
   <p:cSld>
     <p:spTree>
@@ -21443,7 +21745,7 @@
         </p:nvSpPr>
         <p:spPr>
           <a:xfrm>
-            <a:off x="-352540" y="-863600"/>
+            <a:off x="-133211" y="-806839"/>
             <a:ext cx="2368627" cy="1740665"/>
           </a:xfrm>
           <a:prstGeom prst="homePlate">
@@ -22547,7 +22849,7 @@
 </p:sld>
 </file>
 
-<file path=ppt/slides/slide23.xml><?xml version="1.0" encoding="utf-8"?>
+<file path=ppt/slides/slide24.xml><?xml version="1.0" encoding="utf-8"?>
 <p:sld xmlns:a="http://schemas.openxmlformats.org/drawingml/2006/main" xmlns:r="http://schemas.openxmlformats.org/officeDocument/2006/relationships" xmlns:p="http://schemas.openxmlformats.org/presentationml/2006/main">
   <p:cSld>
     <p:spTree>
@@ -22860,7 +23162,7 @@
           <p:nvPr>
             <p:extLst>
               <p:ext uri="{D42A27DB-BD31-4B8C-83A1-F6EECF244321}">
-                <p14:modId xmlns:p14="http://schemas.microsoft.com/office/powerpoint/2010/main" val="1765457433"/>
+                <p14:modId xmlns:p14="http://schemas.microsoft.com/office/powerpoint/2010/main" val="413478415"/>
               </p:ext>
             </p:extLst>
           </p:nvPr>
@@ -24712,7 +25014,7 @@
 </p:sld>
 </file>
 
-<file path=ppt/slides/slide24.xml><?xml version="1.0" encoding="utf-8"?>
+<file path=ppt/slides/slide25.xml><?xml version="1.0" encoding="utf-8"?>
 <p:sld xmlns:a="http://schemas.openxmlformats.org/drawingml/2006/main" xmlns:r="http://schemas.openxmlformats.org/officeDocument/2006/relationships" xmlns:p="http://schemas.openxmlformats.org/presentationml/2006/main">
   <p:cSld>
     <p:spTree>
